--- a/trunk/DOC/GUI/재테크를 위한 어플리케이션 GUI_100622.pptx
+++ b/trunk/DOC/GUI/재테크를 위한 어플리케이션 GUI_100622.pptx
@@ -5,10 +5,11 @@
     <p:sldMasterId id="2147483648" r:id="rId1"/>
   </p:sldMasterIdLst>
   <p:notesMasterIdLst>
-    <p:notesMasterId r:id="rId3"/>
+    <p:notesMasterId r:id="rId4"/>
   </p:notesMasterIdLst>
   <p:sldIdLst>
     <p:sldId id="256" r:id="rId2"/>
+    <p:sldId id="257" r:id="rId3"/>
   </p:sldIdLst>
   <p:sldSz cx="9144000" cy="6858000" type="screen4x3"/>
   <p:notesSz cx="6858000" cy="9144000"/>
@@ -192,7 +193,8 @@
           <a:p>
             <a:fld id="{99C72A54-BE0C-4CB8-A406-B02CE5F2A212}" type="datetimeFigureOut">
               <a:rPr lang="ko-KR" altLang="en-US" smtClean="0"/>
-              <a:t>2010-06-22</a:t>
+              <a:pPr/>
+              <a:t>2010-06-24</a:t>
             </a:fld>
             <a:endParaRPr lang="ko-KR" altLang="en-US"/>
           </a:p>
@@ -353,6 +355,7 @@
           <a:p>
             <a:fld id="{F83E0B0D-1C99-4224-9A4F-F1F2469599AE}" type="slidenum">
               <a:rPr lang="ko-KR" altLang="en-US" smtClean="0"/>
+              <a:pPr/>
               <a:t>‹#›</a:t>
             </a:fld>
             <a:endParaRPr lang="ko-KR" altLang="en-US"/>
@@ -524,7 +527,90 @@
           <a:p>
             <a:fld id="{F83E0B0D-1C99-4224-9A4F-F1F2469599AE}" type="slidenum">
               <a:rPr lang="ko-KR" altLang="en-US" smtClean="0"/>
+              <a:pPr/>
               <a:t>1</a:t>
+            </a:fld>
+            <a:endParaRPr lang="ko-KR" altLang="en-US"/>
+          </a:p>
+        </p:txBody>
+      </p:sp>
+    </p:spTree>
+  </p:cSld>
+  <p:clrMapOvr>
+    <a:masterClrMapping/>
+  </p:clrMapOvr>
+</p:notes>
+</file>
+
+<file path=ppt/notesSlides/notesSlide2.xml><?xml version="1.0" encoding="utf-8"?>
+<p:notes xmlns:a="http://schemas.openxmlformats.org/drawingml/2006/main" xmlns:r="http://schemas.openxmlformats.org/officeDocument/2006/relationships" xmlns:p="http://schemas.openxmlformats.org/presentationml/2006/main">
+  <p:cSld>
+    <p:spTree>
+      <p:nvGrpSpPr>
+        <p:cNvPr id="1" name=""/>
+        <p:cNvGrpSpPr/>
+        <p:nvPr/>
+      </p:nvGrpSpPr>
+      <p:grpSpPr>
+        <a:xfrm>
+          <a:off x="0" y="0"/>
+          <a:ext cx="0" cy="0"/>
+          <a:chOff x="0" y="0"/>
+          <a:chExt cx="0" cy="0"/>
+        </a:xfrm>
+      </p:grpSpPr>
+      <p:sp>
+        <p:nvSpPr>
+          <p:cNvPr id="2" name="슬라이드 이미지 개체 틀 1"/>
+          <p:cNvSpPr>
+            <a:spLocks noGrp="1" noRot="1" noChangeAspect="1"/>
+          </p:cNvSpPr>
+          <p:nvPr>
+            <p:ph type="sldImg"/>
+          </p:nvPr>
+        </p:nvSpPr>
+        <p:spPr/>
+      </p:sp>
+      <p:sp>
+        <p:nvSpPr>
+          <p:cNvPr id="3" name="슬라이드 노트 개체 틀 2"/>
+          <p:cNvSpPr>
+            <a:spLocks noGrp="1"/>
+          </p:cNvSpPr>
+          <p:nvPr>
+            <p:ph type="body" idx="1"/>
+          </p:nvPr>
+        </p:nvSpPr>
+        <p:spPr/>
+        <p:txBody>
+          <a:bodyPr>
+            <a:normAutofit/>
+          </a:bodyPr>
+          <a:lstStyle/>
+          <a:p>
+            <a:endParaRPr lang="ko-KR" altLang="en-US"/>
+          </a:p>
+        </p:txBody>
+      </p:sp>
+      <p:sp>
+        <p:nvSpPr>
+          <p:cNvPr id="4" name="슬라이드 번호 개체 틀 3"/>
+          <p:cNvSpPr>
+            <a:spLocks noGrp="1"/>
+          </p:cNvSpPr>
+          <p:nvPr>
+            <p:ph type="sldNum" sz="quarter" idx="10"/>
+          </p:nvPr>
+        </p:nvSpPr>
+        <p:spPr/>
+        <p:txBody>
+          <a:bodyPr/>
+          <a:lstStyle/>
+          <a:p>
+            <a:fld id="{F83E0B0D-1C99-4224-9A4F-F1F2469599AE}" type="slidenum">
+              <a:rPr lang="ko-KR" altLang="en-US" smtClean="0"/>
+              <a:pPr/>
+              <a:t>2</a:t>
             </a:fld>
             <a:endParaRPr lang="ko-KR" altLang="en-US"/>
           </a:p>
@@ -719,7 +805,8 @@
           <a:p>
             <a:fld id="{105F66E0-F453-4EB3-80A7-5B41C8D6AC26}" type="datetime1">
               <a:rPr lang="ko-KR" altLang="en-US" smtClean="0"/>
-              <a:t>2010-06-22</a:t>
+              <a:pPr/>
+              <a:t>2010-06-24</a:t>
             </a:fld>
             <a:endParaRPr lang="ko-KR" altLang="en-US"/>
           </a:p>
@@ -773,6 +860,7 @@
           <a:p>
             <a:fld id="{4EF643EE-AE1D-40E3-BBBC-CD563615F8BF}" type="slidenum">
               <a:rPr lang="ko-KR" altLang="en-US" smtClean="0"/>
+              <a:pPr/>
               <a:t>‹#›</a:t>
             </a:fld>
             <a:endParaRPr lang="ko-KR" altLang="en-US"/>
@@ -896,7 +984,8 @@
           <a:p>
             <a:fld id="{1345504B-1AC7-452E-B612-AED94DB72BDD}" type="datetime1">
               <a:rPr lang="ko-KR" altLang="en-US" smtClean="0"/>
-              <a:t>2010-06-22</a:t>
+              <a:pPr/>
+              <a:t>2010-06-24</a:t>
             </a:fld>
             <a:endParaRPr lang="ko-KR" altLang="en-US"/>
           </a:p>
@@ -950,6 +1039,7 @@
           <a:p>
             <a:fld id="{4EF643EE-AE1D-40E3-BBBC-CD563615F8BF}" type="slidenum">
               <a:rPr lang="ko-KR" altLang="en-US" smtClean="0"/>
+              <a:pPr/>
               <a:t>‹#›</a:t>
             </a:fld>
             <a:endParaRPr lang="ko-KR" altLang="en-US"/>
@@ -1083,7 +1173,8 @@
           <a:p>
             <a:fld id="{3276CD6A-F20D-4F12-B9FE-A6D6824049B0}" type="datetime1">
               <a:rPr lang="ko-KR" altLang="en-US" smtClean="0"/>
-              <a:t>2010-06-22</a:t>
+              <a:pPr/>
+              <a:t>2010-06-24</a:t>
             </a:fld>
             <a:endParaRPr lang="ko-KR" altLang="en-US"/>
           </a:p>
@@ -1137,6 +1228,7 @@
           <a:p>
             <a:fld id="{4EF643EE-AE1D-40E3-BBBC-CD563615F8BF}" type="slidenum">
               <a:rPr lang="ko-KR" altLang="en-US" smtClean="0"/>
+              <a:pPr/>
               <a:t>‹#›</a:t>
             </a:fld>
             <a:endParaRPr lang="ko-KR" altLang="en-US"/>
@@ -1260,7 +1352,8 @@
           <a:p>
             <a:fld id="{67EB23E5-270A-4643-969A-B0E8AD63EC84}" type="datetime1">
               <a:rPr lang="ko-KR" altLang="en-US" smtClean="0"/>
-              <a:t>2010-06-22</a:t>
+              <a:pPr/>
+              <a:t>2010-06-24</a:t>
             </a:fld>
             <a:endParaRPr lang="ko-KR" altLang="en-US"/>
           </a:p>
@@ -1314,6 +1407,7 @@
           <a:p>
             <a:fld id="{4EF643EE-AE1D-40E3-BBBC-CD563615F8BF}" type="slidenum">
               <a:rPr lang="ko-KR" altLang="en-US" smtClean="0"/>
+              <a:pPr/>
               <a:t>‹#›</a:t>
             </a:fld>
             <a:endParaRPr lang="ko-KR" altLang="en-US"/>
@@ -1513,7 +1607,8 @@
           <a:p>
             <a:fld id="{E38EDD45-8CBC-4B35-8F54-7918D243FB91}" type="datetime1">
               <a:rPr lang="ko-KR" altLang="en-US" smtClean="0"/>
-              <a:t>2010-06-22</a:t>
+              <a:pPr/>
+              <a:t>2010-06-24</a:t>
             </a:fld>
             <a:endParaRPr lang="ko-KR" altLang="en-US"/>
           </a:p>
@@ -1567,6 +1662,7 @@
           <a:p>
             <a:fld id="{4EF643EE-AE1D-40E3-BBBC-CD563615F8BF}" type="slidenum">
               <a:rPr lang="ko-KR" altLang="en-US" smtClean="0"/>
+              <a:pPr/>
               <a:t>‹#›</a:t>
             </a:fld>
             <a:endParaRPr lang="ko-KR" altLang="en-US"/>
@@ -1808,7 +1904,8 @@
           <a:p>
             <a:fld id="{26715FD6-E32B-4FBF-90C4-E433FE2CD26D}" type="datetime1">
               <a:rPr lang="ko-KR" altLang="en-US" smtClean="0"/>
-              <a:t>2010-06-22</a:t>
+              <a:pPr/>
+              <a:t>2010-06-24</a:t>
             </a:fld>
             <a:endParaRPr lang="ko-KR" altLang="en-US"/>
           </a:p>
@@ -1862,6 +1959,7 @@
           <a:p>
             <a:fld id="{4EF643EE-AE1D-40E3-BBBC-CD563615F8BF}" type="slidenum">
               <a:rPr lang="ko-KR" altLang="en-US" smtClean="0"/>
+              <a:pPr/>
               <a:t>‹#›</a:t>
             </a:fld>
             <a:endParaRPr lang="ko-KR" altLang="en-US"/>
@@ -2237,7 +2335,8 @@
           <a:p>
             <a:fld id="{CAD2CEE4-49A3-4990-9C75-DBE47A9E2002}" type="datetime1">
               <a:rPr lang="ko-KR" altLang="en-US" smtClean="0"/>
-              <a:t>2010-06-22</a:t>
+              <a:pPr/>
+              <a:t>2010-06-24</a:t>
             </a:fld>
             <a:endParaRPr lang="ko-KR" altLang="en-US"/>
           </a:p>
@@ -2291,6 +2390,7 @@
           <a:p>
             <a:fld id="{4EF643EE-AE1D-40E3-BBBC-CD563615F8BF}" type="slidenum">
               <a:rPr lang="ko-KR" altLang="en-US" smtClean="0"/>
+              <a:pPr/>
               <a:t>‹#›</a:t>
             </a:fld>
             <a:endParaRPr lang="ko-KR" altLang="en-US"/>
@@ -2362,7 +2462,8 @@
           <a:p>
             <a:fld id="{EEE4BE34-22D2-4D47-B95A-E3FB8247464E}" type="datetime1">
               <a:rPr lang="ko-KR" altLang="en-US" smtClean="0"/>
-              <a:t>2010-06-22</a:t>
+              <a:pPr/>
+              <a:t>2010-06-24</a:t>
             </a:fld>
             <a:endParaRPr lang="ko-KR" altLang="en-US"/>
           </a:p>
@@ -2416,6 +2517,7 @@
           <a:p>
             <a:fld id="{4EF643EE-AE1D-40E3-BBBC-CD563615F8BF}" type="slidenum">
               <a:rPr lang="ko-KR" altLang="en-US" smtClean="0"/>
+              <a:pPr/>
               <a:t>‹#›</a:t>
             </a:fld>
             <a:endParaRPr lang="ko-KR" altLang="en-US"/>
@@ -2464,7 +2566,8 @@
           <a:p>
             <a:fld id="{42C2FA6A-1CBA-4C80-B402-053604292DED}" type="datetime1">
               <a:rPr lang="ko-KR" altLang="en-US" smtClean="0"/>
-              <a:t>2010-06-22</a:t>
+              <a:pPr/>
+              <a:t>2010-06-24</a:t>
             </a:fld>
             <a:endParaRPr lang="ko-KR" altLang="en-US"/>
           </a:p>
@@ -2518,6 +2621,7 @@
           <a:p>
             <a:fld id="{4EF643EE-AE1D-40E3-BBBC-CD563615F8BF}" type="slidenum">
               <a:rPr lang="ko-KR" altLang="en-US" smtClean="0"/>
+              <a:pPr/>
               <a:t>‹#›</a:t>
             </a:fld>
             <a:endParaRPr lang="ko-KR" altLang="en-US"/>
@@ -2748,7 +2852,8 @@
           <a:p>
             <a:fld id="{23513F57-09EB-495F-995D-C1505C9B54FC}" type="datetime1">
               <a:rPr lang="ko-KR" altLang="en-US" smtClean="0"/>
-              <a:t>2010-06-22</a:t>
+              <a:pPr/>
+              <a:t>2010-06-24</a:t>
             </a:fld>
             <a:endParaRPr lang="ko-KR" altLang="en-US"/>
           </a:p>
@@ -2802,6 +2907,7 @@
           <a:p>
             <a:fld id="{4EF643EE-AE1D-40E3-BBBC-CD563615F8BF}" type="slidenum">
               <a:rPr lang="ko-KR" altLang="en-US" smtClean="0"/>
+              <a:pPr/>
               <a:t>‹#›</a:t>
             </a:fld>
             <a:endParaRPr lang="ko-KR" altLang="en-US"/>
@@ -3008,7 +3114,8 @@
           <a:p>
             <a:fld id="{84C26BEE-1838-4644-A0BC-1B55F1FC145F}" type="datetime1">
               <a:rPr lang="ko-KR" altLang="en-US" smtClean="0"/>
-              <a:t>2010-06-22</a:t>
+              <a:pPr/>
+              <a:t>2010-06-24</a:t>
             </a:fld>
             <a:endParaRPr lang="ko-KR" altLang="en-US"/>
           </a:p>
@@ -3062,6 +3169,7 @@
           <a:p>
             <a:fld id="{4EF643EE-AE1D-40E3-BBBC-CD563615F8BF}" type="slidenum">
               <a:rPr lang="ko-KR" altLang="en-US" smtClean="0"/>
+              <a:pPr/>
               <a:t>‹#›</a:t>
             </a:fld>
             <a:endParaRPr lang="ko-KR" altLang="en-US"/>
@@ -3228,7 +3336,8 @@
           <a:p>
             <a:fld id="{2A548CA1-8824-4A79-B749-7FCA67E5AD33}" type="datetime1">
               <a:rPr lang="ko-KR" altLang="en-US" smtClean="0"/>
-              <a:t>2010-06-22</a:t>
+              <a:pPr/>
+              <a:t>2010-06-24</a:t>
             </a:fld>
             <a:endParaRPr lang="ko-KR" altLang="en-US"/>
           </a:p>
@@ -3318,6 +3427,7 @@
           <a:p>
             <a:fld id="{4EF643EE-AE1D-40E3-BBBC-CD563615F8BF}" type="slidenum">
               <a:rPr lang="ko-KR" altLang="en-US" smtClean="0"/>
+              <a:pPr/>
               <a:t>‹#›</a:t>
             </a:fld>
             <a:endParaRPr lang="ko-KR" altLang="en-US"/>
@@ -4888,6 +4998,2081 @@
       <p:grpSp>
         <p:nvGrpSpPr>
           <p:cNvPr id="40" name="그룹 39"/>
+          <p:cNvGrpSpPr/>
+          <p:nvPr/>
+        </p:nvGrpSpPr>
+        <p:grpSpPr>
+          <a:xfrm>
+            <a:off x="251520" y="6300028"/>
+            <a:ext cx="251884" cy="360040"/>
+            <a:chOff x="935740" y="3429000"/>
+            <a:chExt cx="251884" cy="360040"/>
+          </a:xfrm>
+        </p:grpSpPr>
+        <p:sp>
+          <p:nvSpPr>
+            <p:cNvPr id="41" name="갈매기형 수장 40"/>
+            <p:cNvSpPr/>
+            <p:nvPr/>
+          </p:nvSpPr>
+          <p:spPr>
+            <a:xfrm flipH="1">
+              <a:off x="1043608" y="3429000"/>
+              <a:ext cx="144016" cy="360040"/>
+            </a:xfrm>
+            <a:prstGeom prst="chevron">
+              <a:avLst/>
+            </a:prstGeom>
+          </p:spPr>
+          <p:style>
+            <a:lnRef idx="2">
+              <a:schemeClr val="accent3"/>
+            </a:lnRef>
+            <a:fillRef idx="1">
+              <a:schemeClr val="lt1"/>
+            </a:fillRef>
+            <a:effectRef idx="0">
+              <a:schemeClr val="accent3"/>
+            </a:effectRef>
+            <a:fontRef idx="minor">
+              <a:schemeClr val="dk1"/>
+            </a:fontRef>
+          </p:style>
+          <p:txBody>
+            <a:bodyPr rtlCol="0" anchor="ctr"/>
+            <a:lstStyle/>
+            <a:p>
+              <a:pPr algn="ctr"/>
+              <a:endParaRPr lang="ko-KR" altLang="en-US">
+                <a:solidFill>
+                  <a:schemeClr val="tx1"/>
+                </a:solidFill>
+              </a:endParaRPr>
+            </a:p>
+          </p:txBody>
+        </p:sp>
+        <p:sp>
+          <p:nvSpPr>
+            <p:cNvPr id="42" name="갈매기형 수장 41"/>
+            <p:cNvSpPr/>
+            <p:nvPr/>
+          </p:nvSpPr>
+          <p:spPr>
+            <a:xfrm flipH="1">
+              <a:off x="935740" y="3429000"/>
+              <a:ext cx="144016" cy="360040"/>
+            </a:xfrm>
+            <a:prstGeom prst="chevron">
+              <a:avLst/>
+            </a:prstGeom>
+          </p:spPr>
+          <p:style>
+            <a:lnRef idx="2">
+              <a:schemeClr val="accent3"/>
+            </a:lnRef>
+            <a:fillRef idx="1">
+              <a:schemeClr val="lt1"/>
+            </a:fillRef>
+            <a:effectRef idx="0">
+              <a:schemeClr val="accent3"/>
+            </a:effectRef>
+            <a:fontRef idx="minor">
+              <a:schemeClr val="dk1"/>
+            </a:fontRef>
+          </p:style>
+          <p:txBody>
+            <a:bodyPr rtlCol="0" anchor="ctr"/>
+            <a:lstStyle/>
+            <a:p>
+              <a:pPr algn="ctr"/>
+              <a:endParaRPr lang="ko-KR" altLang="en-US">
+                <a:solidFill>
+                  <a:schemeClr val="tx1"/>
+                </a:solidFill>
+              </a:endParaRPr>
+            </a:p>
+          </p:txBody>
+        </p:sp>
+      </p:grpSp>
+      <p:sp>
+        <p:nvSpPr>
+          <p:cNvPr id="43" name="바닥글 개체 틀 42"/>
+          <p:cNvSpPr>
+            <a:spLocks noGrp="1"/>
+          </p:cNvSpPr>
+          <p:nvPr>
+            <p:ph type="ftr" sz="quarter" idx="11"/>
+          </p:nvPr>
+        </p:nvSpPr>
+        <p:spPr/>
+        <p:txBody>
+          <a:bodyPr/>
+          <a:lstStyle/>
+          <a:p>
+            <a:r>
+              <a:rPr lang="en-US" altLang="ko-KR" smtClean="0"/>
+              <a:t>(</a:t>
+            </a:r>
+            <a:r>
+              <a:rPr lang="ko-KR" altLang="en-US" smtClean="0"/>
+              <a:t>주</a:t>
+            </a:r>
+            <a:r>
+              <a:rPr lang="en-US" altLang="ko-KR" smtClean="0"/>
+              <a:t>)Fletamuto Android</a:t>
+            </a:r>
+            <a:endParaRPr lang="ko-KR" altLang="en-US"/>
+          </a:p>
+        </p:txBody>
+      </p:sp>
+      <p:sp>
+        <p:nvSpPr>
+          <p:cNvPr id="44" name="모서리가 둥근 직사각형 43"/>
+          <p:cNvSpPr/>
+          <p:nvPr/>
+        </p:nvSpPr>
+        <p:spPr>
+          <a:xfrm>
+            <a:off x="1619672" y="2852936"/>
+            <a:ext cx="1224136" cy="288032"/>
+          </a:xfrm>
+          <a:prstGeom prst="roundRect">
+            <a:avLst/>
+          </a:prstGeom>
+          <a:ln/>
+        </p:spPr>
+        <p:style>
+          <a:lnRef idx="2">
+            <a:schemeClr val="accent1"/>
+          </a:lnRef>
+          <a:fillRef idx="1">
+            <a:schemeClr val="lt1"/>
+          </a:fillRef>
+          <a:effectRef idx="0">
+            <a:schemeClr val="accent1"/>
+          </a:effectRef>
+          <a:fontRef idx="minor">
+            <a:schemeClr val="dk1"/>
+          </a:fontRef>
+        </p:style>
+        <p:txBody>
+          <a:bodyPr rtlCol="0" anchor="ctr"/>
+          <a:lstStyle/>
+          <a:p>
+            <a:pPr algn="ctr"/>
+            <a:endParaRPr lang="ko-KR" altLang="en-US" sz="1200" dirty="0">
+              <a:solidFill>
+                <a:schemeClr val="tx1"/>
+              </a:solidFill>
+            </a:endParaRPr>
+          </a:p>
+        </p:txBody>
+      </p:sp>
+      <p:sp>
+        <p:nvSpPr>
+          <p:cNvPr id="48" name="부제목 2"/>
+          <p:cNvSpPr txBox="1">
+            <a:spLocks/>
+          </p:cNvSpPr>
+          <p:nvPr/>
+        </p:nvSpPr>
+        <p:spPr>
+          <a:xfrm>
+            <a:off x="4788024" y="2348880"/>
+            <a:ext cx="4248472" cy="3384376"/>
+          </a:xfrm>
+          <a:prstGeom prst="rect">
+            <a:avLst/>
+          </a:prstGeom>
+        </p:spPr>
+        <p:txBody>
+          <a:bodyPr vert="horz" lIns="91440" tIns="45720" rIns="91440" bIns="45720" rtlCol="0">
+            <a:noAutofit/>
+          </a:bodyPr>
+          <a:lstStyle/>
+          <a:p>
+            <a:pPr marL="0" marR="0" lvl="0" indent="0" defTabSz="914400" rtl="0" eaLnBrk="1" fontAlgn="auto" latinLnBrk="1" hangingPunct="1">
+              <a:lnSpc>
+                <a:spcPct val="100000"/>
+              </a:lnSpc>
+              <a:spcBef>
+                <a:spcPct val="20000"/>
+              </a:spcBef>
+              <a:spcAft>
+                <a:spcPts val="0"/>
+              </a:spcAft>
+              <a:buClrTx/>
+              <a:buSzTx/>
+              <a:buFont typeface="Arial" pitchFamily="34" charset="0"/>
+              <a:buNone/>
+              <a:tabLst/>
+              <a:defRPr/>
+            </a:pPr>
+            <a:r>
+              <a:rPr kumimoji="0" lang="en-US" altLang="ko-KR" sz="1400" i="0" u="none" strike="noStrike" kern="1200" cap="none" spc="0" normalizeH="0" baseline="0" noProof="0" dirty="0" smtClean="0">
+                <a:ln>
+                  <a:noFill/>
+                </a:ln>
+                <a:uLnTx/>
+                <a:uFillTx/>
+                <a:ea typeface="+mn-ea"/>
+                <a:cs typeface="+mn-cs"/>
+              </a:rPr>
+              <a:t>1. </a:t>
+            </a:r>
+            <a:r>
+              <a:rPr kumimoji="0" lang="ko-KR" altLang="en-US" sz="1400" i="0" u="none" strike="noStrike" kern="1200" cap="none" spc="0" normalizeH="0" baseline="0" noProof="0" dirty="0" smtClean="0">
+                <a:ln>
+                  <a:noFill/>
+                </a:ln>
+                <a:uLnTx/>
+                <a:uFillTx/>
+                <a:ea typeface="+mn-ea"/>
+                <a:cs typeface="+mn-cs"/>
+              </a:rPr>
+              <a:t>수입</a:t>
+            </a:r>
+            <a:r>
+              <a:rPr kumimoji="0" lang="en-US" altLang="ko-KR" sz="1400" i="0" u="none" strike="noStrike" kern="1200" cap="none" spc="0" normalizeH="0" baseline="0" noProof="0" dirty="0" smtClean="0">
+                <a:ln>
+                  <a:noFill/>
+                </a:ln>
+                <a:uLnTx/>
+                <a:uFillTx/>
+                <a:ea typeface="+mn-ea"/>
+                <a:cs typeface="+mn-cs"/>
+              </a:rPr>
+              <a:t>/</a:t>
+            </a:r>
+            <a:r>
+              <a:rPr kumimoji="0" lang="ko-KR" altLang="en-US" sz="1400" i="0" u="none" strike="noStrike" kern="1200" cap="none" spc="0" normalizeH="0" baseline="0" noProof="0" dirty="0" smtClean="0">
+                <a:ln>
+                  <a:noFill/>
+                </a:ln>
+                <a:uLnTx/>
+                <a:uFillTx/>
+                <a:ea typeface="+mn-ea"/>
+                <a:cs typeface="+mn-cs"/>
+              </a:rPr>
+              <a:t>지출 비교는 부분</a:t>
+            </a:r>
+            <a:endParaRPr kumimoji="0" lang="en-US" altLang="ko-KR" sz="1400" i="0" u="none" strike="noStrike" kern="1200" cap="none" spc="0" normalizeH="0" baseline="0" noProof="0" dirty="0" smtClean="0">
+              <a:ln>
+                <a:noFill/>
+              </a:ln>
+              <a:uLnTx/>
+              <a:uFillTx/>
+              <a:ea typeface="+mn-ea"/>
+              <a:cs typeface="+mn-cs"/>
+            </a:endParaRPr>
+          </a:p>
+          <a:p>
+            <a:pPr>
+              <a:spcBef>
+                <a:spcPct val="20000"/>
+              </a:spcBef>
+            </a:pPr>
+            <a:r>
+              <a:rPr lang="en-US" altLang="ko-KR" sz="1400" dirty="0" smtClean="0"/>
+              <a:t>2. </a:t>
+            </a:r>
+            <a:r>
+              <a:rPr lang="ko-KR" altLang="en-US" sz="1400" dirty="0" smtClean="0"/>
+              <a:t>화면 </a:t>
+            </a:r>
+            <a:r>
+              <a:rPr lang="en-US" altLang="ko-KR" sz="1400" dirty="0" smtClean="0"/>
+              <a:t>slide</a:t>
+            </a:r>
+            <a:r>
+              <a:rPr lang="ko-KR" altLang="en-US" sz="1400" dirty="0" smtClean="0"/>
+              <a:t>형식 변경 </a:t>
+            </a:r>
+            <a:r>
+              <a:rPr lang="en-US" altLang="ko-KR" sz="1400" dirty="0" smtClean="0"/>
+              <a:t>(</a:t>
+            </a:r>
+            <a:r>
+              <a:rPr lang="ko-KR" altLang="en-US" sz="1400" dirty="0" smtClean="0"/>
+              <a:t>자산</a:t>
+            </a:r>
+            <a:r>
+              <a:rPr lang="en-US" altLang="ko-KR" sz="1400" dirty="0" smtClean="0"/>
+              <a:t>/</a:t>
+            </a:r>
+            <a:r>
+              <a:rPr lang="ko-KR" altLang="en-US" sz="1400" dirty="0" smtClean="0"/>
+              <a:t>부채</a:t>
+            </a:r>
+            <a:r>
+              <a:rPr lang="en-US" altLang="ko-KR" sz="1400" dirty="0" smtClean="0"/>
+              <a:t>, </a:t>
+            </a:r>
+            <a:r>
+              <a:rPr lang="ko-KR" altLang="en-US" sz="1400" dirty="0" smtClean="0"/>
+              <a:t>그래프</a:t>
+            </a:r>
+            <a:r>
+              <a:rPr lang="en-US" altLang="ko-KR" sz="1400" dirty="0" smtClean="0"/>
+              <a:t>, </a:t>
+            </a:r>
+            <a:r>
+              <a:rPr lang="ko-KR" altLang="en-US" sz="1400" dirty="0" smtClean="0"/>
+              <a:t>미션 등</a:t>
+            </a:r>
+            <a:r>
+              <a:rPr lang="en-US" altLang="ko-KR" sz="1400" dirty="0" smtClean="0"/>
+              <a:t>)</a:t>
+            </a:r>
+          </a:p>
+          <a:p>
+            <a:pPr>
+              <a:spcBef>
+                <a:spcPct val="20000"/>
+              </a:spcBef>
+            </a:pPr>
+            <a:r>
+              <a:rPr lang="en-US" altLang="ko-KR" sz="1400" dirty="0" smtClean="0"/>
+              <a:t>3.</a:t>
+            </a:r>
+            <a:r>
+              <a:rPr lang="ko-KR" altLang="en-US" sz="1400" noProof="0" dirty="0" smtClean="0"/>
+              <a:t> 지출한 금액 상세 </a:t>
+            </a:r>
+            <a:r>
+              <a:rPr lang="ko-KR" altLang="en-US" sz="1400" dirty="0"/>
+              <a:t>메뉴이동</a:t>
+            </a:r>
+            <a:r>
+              <a:rPr lang="en-US" altLang="ko-KR" sz="1400" dirty="0"/>
+              <a:t>(</a:t>
+            </a:r>
+            <a:r>
+              <a:rPr lang="en-US" altLang="ko-KR" sz="1400" dirty="0" smtClean="0"/>
+              <a:t>List</a:t>
+            </a:r>
+            <a:r>
+              <a:rPr lang="ko-KR" altLang="en-US" sz="1400" dirty="0" smtClean="0"/>
+              <a:t>형식</a:t>
+            </a:r>
+            <a:r>
+              <a:rPr lang="en-US" altLang="ko-KR" sz="1400" dirty="0" smtClean="0"/>
+              <a:t>) </a:t>
+            </a:r>
+          </a:p>
+          <a:p>
+            <a:pPr>
+              <a:spcBef>
+                <a:spcPct val="20000"/>
+              </a:spcBef>
+            </a:pPr>
+            <a:r>
+              <a:rPr lang="en-US" altLang="ko-KR" sz="1400" dirty="0" smtClean="0"/>
+              <a:t>4. </a:t>
+            </a:r>
+            <a:r>
+              <a:rPr lang="ko-KR" altLang="en-US" sz="1400" dirty="0" smtClean="0"/>
+              <a:t>기본 메뉴 구성</a:t>
+            </a:r>
+            <a:r>
+              <a:rPr lang="en-US" altLang="ko-KR" sz="1400" dirty="0" smtClean="0"/>
+              <a:t>(</a:t>
+            </a:r>
+            <a:r>
+              <a:rPr lang="ko-KR" altLang="en-US" sz="1400" dirty="0" smtClean="0"/>
+              <a:t>홈</a:t>
+            </a:r>
+            <a:r>
+              <a:rPr lang="en-US" altLang="ko-KR" sz="1400" dirty="0" smtClean="0"/>
+              <a:t>, </a:t>
+            </a:r>
+            <a:r>
+              <a:rPr lang="ko-KR" altLang="en-US" sz="1400" dirty="0" smtClean="0"/>
+              <a:t>자산</a:t>
+            </a:r>
+            <a:r>
+              <a:rPr lang="en-US" altLang="ko-KR" sz="1400" dirty="0" smtClean="0"/>
+              <a:t>, </a:t>
+            </a:r>
+            <a:r>
+              <a:rPr lang="ko-KR" altLang="en-US" sz="1400" dirty="0" smtClean="0"/>
+              <a:t>목록</a:t>
+            </a:r>
+            <a:r>
+              <a:rPr lang="en-US" altLang="ko-KR" sz="1400" dirty="0" smtClean="0"/>
+              <a:t>, </a:t>
+            </a:r>
+            <a:r>
+              <a:rPr lang="ko-KR" altLang="en-US" sz="1400" dirty="0" smtClean="0"/>
+              <a:t>조회</a:t>
+            </a:r>
+            <a:r>
+              <a:rPr lang="en-US" altLang="ko-KR" sz="1400" dirty="0" smtClean="0"/>
+              <a:t>, </a:t>
+            </a:r>
+            <a:r>
+              <a:rPr lang="ko-KR" altLang="en-US" sz="1400" dirty="0" smtClean="0"/>
+              <a:t>미션</a:t>
+            </a:r>
+            <a:r>
+              <a:rPr lang="en-US" altLang="ko-KR" sz="1400" dirty="0" smtClean="0"/>
+              <a:t>, </a:t>
+            </a:r>
+            <a:r>
+              <a:rPr lang="ko-KR" altLang="en-US" sz="1400" dirty="0" smtClean="0"/>
+              <a:t>설정</a:t>
+            </a:r>
+            <a:r>
+              <a:rPr lang="en-US" altLang="ko-KR" sz="1400" dirty="0" smtClean="0"/>
+              <a:t>)</a:t>
+            </a:r>
+          </a:p>
+        </p:txBody>
+      </p:sp>
+      <p:sp>
+        <p:nvSpPr>
+          <p:cNvPr id="51" name="Oval 33"/>
+          <p:cNvSpPr>
+            <a:spLocks noChangeArrowheads="1"/>
+          </p:cNvSpPr>
+          <p:nvPr/>
+        </p:nvSpPr>
+        <p:spPr bwMode="auto">
+          <a:xfrm>
+            <a:off x="1475656" y="2780928"/>
+            <a:ext cx="213370" cy="213370"/>
+          </a:xfrm>
+          <a:prstGeom prst="ellipse">
+            <a:avLst/>
+          </a:prstGeom>
+          <a:solidFill>
+            <a:srgbClr val="BF0A30"/>
+          </a:solidFill>
+          <a:ln w="9525" algn="ctr">
+            <a:noFill/>
+            <a:round/>
+            <a:headEnd/>
+            <a:tailEnd/>
+          </a:ln>
+        </p:spPr>
+        <p:txBody>
+          <a:bodyPr wrap="none" lIns="0" tIns="0" rIns="0" bIns="0" anchor="ctr"/>
+          <a:lstStyle/>
+          <a:p>
+            <a:pPr algn="ctr" eaLnBrk="0" latinLnBrk="0" hangingPunct="0">
+              <a:spcBef>
+                <a:spcPct val="0"/>
+              </a:spcBef>
+              <a:buFontTx/>
+              <a:buNone/>
+            </a:pPr>
+            <a:r>
+              <a:rPr kumimoji="0" lang="en-US" altLang="ko-KR" sz="800" b="1" dirty="0" smtClean="0">
+                <a:solidFill>
+                  <a:srgbClr val="FFFFFF"/>
+                </a:solidFill>
+                <a:latin typeface="굴림" charset="-127"/>
+                <a:ea typeface="굴림" charset="-127"/>
+              </a:rPr>
+              <a:t>1</a:t>
+            </a:r>
+            <a:endParaRPr kumimoji="0" lang="en-US" altLang="ko-KR" sz="800" b="1" dirty="0">
+              <a:solidFill>
+                <a:srgbClr val="FFFFFF"/>
+              </a:solidFill>
+              <a:latin typeface="굴림" charset="-127"/>
+              <a:ea typeface="굴림" charset="-127"/>
+            </a:endParaRPr>
+          </a:p>
+        </p:txBody>
+      </p:sp>
+      <p:sp>
+        <p:nvSpPr>
+          <p:cNvPr id="53" name="Oval 33"/>
+          <p:cNvSpPr>
+            <a:spLocks noChangeArrowheads="1"/>
+          </p:cNvSpPr>
+          <p:nvPr/>
+        </p:nvSpPr>
+        <p:spPr bwMode="auto">
+          <a:xfrm>
+            <a:off x="1043608" y="3284984"/>
+            <a:ext cx="213370" cy="213370"/>
+          </a:xfrm>
+          <a:prstGeom prst="ellipse">
+            <a:avLst/>
+          </a:prstGeom>
+          <a:solidFill>
+            <a:srgbClr val="BF0A30"/>
+          </a:solidFill>
+          <a:ln w="9525" algn="ctr">
+            <a:noFill/>
+            <a:round/>
+            <a:headEnd/>
+            <a:tailEnd/>
+          </a:ln>
+        </p:spPr>
+        <p:txBody>
+          <a:bodyPr wrap="none" lIns="0" tIns="0" rIns="0" bIns="0" anchor="ctr"/>
+          <a:lstStyle/>
+          <a:p>
+            <a:pPr algn="ctr" eaLnBrk="0" latinLnBrk="0" hangingPunct="0">
+              <a:spcBef>
+                <a:spcPct val="0"/>
+              </a:spcBef>
+              <a:buFontTx/>
+              <a:buNone/>
+            </a:pPr>
+            <a:r>
+              <a:rPr lang="en-US" altLang="ko-KR" sz="800" b="1" dirty="0">
+                <a:solidFill>
+                  <a:srgbClr val="FFFFFF"/>
+                </a:solidFill>
+                <a:latin typeface="굴림" charset="-127"/>
+                <a:ea typeface="굴림" charset="-127"/>
+              </a:rPr>
+              <a:t>2</a:t>
+            </a:r>
+            <a:endParaRPr kumimoji="0" lang="en-US" altLang="ko-KR" sz="800" b="1" dirty="0">
+              <a:solidFill>
+                <a:srgbClr val="FFFFFF"/>
+              </a:solidFill>
+              <a:latin typeface="굴림" charset="-127"/>
+              <a:ea typeface="굴림" charset="-127"/>
+            </a:endParaRPr>
+          </a:p>
+        </p:txBody>
+      </p:sp>
+      <p:sp>
+        <p:nvSpPr>
+          <p:cNvPr id="54" name="Oval 33"/>
+          <p:cNvSpPr>
+            <a:spLocks noChangeArrowheads="1"/>
+          </p:cNvSpPr>
+          <p:nvPr/>
+        </p:nvSpPr>
+        <p:spPr bwMode="auto">
+          <a:xfrm>
+            <a:off x="-900608" y="2636912"/>
+            <a:ext cx="213370" cy="213370"/>
+          </a:xfrm>
+          <a:prstGeom prst="ellipse">
+            <a:avLst/>
+          </a:prstGeom>
+          <a:solidFill>
+            <a:srgbClr val="BF0A30"/>
+          </a:solidFill>
+          <a:ln w="9525" algn="ctr">
+            <a:noFill/>
+            <a:round/>
+            <a:headEnd/>
+            <a:tailEnd/>
+          </a:ln>
+        </p:spPr>
+        <p:txBody>
+          <a:bodyPr wrap="none" lIns="0" tIns="0" rIns="0" bIns="0" anchor="ctr"/>
+          <a:lstStyle/>
+          <a:p>
+            <a:pPr algn="ctr" eaLnBrk="0" latinLnBrk="0" hangingPunct="0">
+              <a:spcBef>
+                <a:spcPct val="0"/>
+              </a:spcBef>
+              <a:buFontTx/>
+              <a:buNone/>
+            </a:pPr>
+            <a:r>
+              <a:rPr kumimoji="0" lang="en-US" altLang="ko-KR" sz="800" b="1" dirty="0" smtClean="0">
+                <a:solidFill>
+                  <a:srgbClr val="FFFFFF"/>
+                </a:solidFill>
+                <a:latin typeface="굴림" charset="-127"/>
+                <a:ea typeface="굴림" charset="-127"/>
+              </a:rPr>
+              <a:t>1</a:t>
+            </a:r>
+            <a:endParaRPr kumimoji="0" lang="en-US" altLang="ko-KR" sz="800" b="1" dirty="0">
+              <a:solidFill>
+                <a:srgbClr val="FFFFFF"/>
+              </a:solidFill>
+              <a:latin typeface="굴림" charset="-127"/>
+              <a:ea typeface="굴림" charset="-127"/>
+            </a:endParaRPr>
+          </a:p>
+        </p:txBody>
+      </p:sp>
+      <p:sp>
+        <p:nvSpPr>
+          <p:cNvPr id="55" name="Oval 33"/>
+          <p:cNvSpPr>
+            <a:spLocks noChangeArrowheads="1"/>
+          </p:cNvSpPr>
+          <p:nvPr/>
+        </p:nvSpPr>
+        <p:spPr bwMode="auto">
+          <a:xfrm>
+            <a:off x="1304745" y="5157192"/>
+            <a:ext cx="213370" cy="213370"/>
+          </a:xfrm>
+          <a:prstGeom prst="ellipse">
+            <a:avLst/>
+          </a:prstGeom>
+          <a:solidFill>
+            <a:srgbClr val="BF0A30"/>
+          </a:solidFill>
+          <a:ln w="9525" algn="ctr">
+            <a:noFill/>
+            <a:round/>
+            <a:headEnd/>
+            <a:tailEnd/>
+          </a:ln>
+        </p:spPr>
+        <p:txBody>
+          <a:bodyPr wrap="none" lIns="0" tIns="0" rIns="0" bIns="0" anchor="ctr"/>
+          <a:lstStyle/>
+          <a:p>
+            <a:pPr algn="ctr" eaLnBrk="0" latinLnBrk="0" hangingPunct="0">
+              <a:spcBef>
+                <a:spcPct val="0"/>
+              </a:spcBef>
+              <a:buFontTx/>
+              <a:buNone/>
+            </a:pPr>
+            <a:r>
+              <a:rPr lang="en-US" altLang="ko-KR" sz="800" b="1" dirty="0">
+                <a:solidFill>
+                  <a:srgbClr val="FFFFFF"/>
+                </a:solidFill>
+                <a:latin typeface="굴림" charset="-127"/>
+                <a:ea typeface="굴림" charset="-127"/>
+              </a:rPr>
+              <a:t>4</a:t>
+            </a:r>
+            <a:endParaRPr kumimoji="0" lang="en-US" altLang="ko-KR" sz="800" b="1" dirty="0">
+              <a:solidFill>
+                <a:srgbClr val="FFFFFF"/>
+              </a:solidFill>
+              <a:latin typeface="굴림" charset="-127"/>
+              <a:ea typeface="굴림" charset="-127"/>
+            </a:endParaRPr>
+          </a:p>
+        </p:txBody>
+      </p:sp>
+      <p:sp>
+        <p:nvSpPr>
+          <p:cNvPr id="56" name="Oval 33"/>
+          <p:cNvSpPr>
+            <a:spLocks noChangeArrowheads="1"/>
+          </p:cNvSpPr>
+          <p:nvPr/>
+        </p:nvSpPr>
+        <p:spPr bwMode="auto">
+          <a:xfrm>
+            <a:off x="1262286" y="4481937"/>
+            <a:ext cx="213370" cy="213370"/>
+          </a:xfrm>
+          <a:prstGeom prst="ellipse">
+            <a:avLst/>
+          </a:prstGeom>
+          <a:solidFill>
+            <a:srgbClr val="BF0A30"/>
+          </a:solidFill>
+          <a:ln w="9525" algn="ctr">
+            <a:noFill/>
+            <a:round/>
+            <a:headEnd/>
+            <a:tailEnd/>
+          </a:ln>
+        </p:spPr>
+        <p:txBody>
+          <a:bodyPr wrap="none" lIns="0" tIns="0" rIns="0" bIns="0" anchor="ctr"/>
+          <a:lstStyle/>
+          <a:p>
+            <a:pPr algn="ctr" eaLnBrk="0" latinLnBrk="0" hangingPunct="0">
+              <a:spcBef>
+                <a:spcPct val="0"/>
+              </a:spcBef>
+              <a:buFontTx/>
+              <a:buNone/>
+            </a:pPr>
+            <a:r>
+              <a:rPr lang="en-US" altLang="ko-KR" sz="800" b="1" dirty="0">
+                <a:solidFill>
+                  <a:srgbClr val="FFFFFF"/>
+                </a:solidFill>
+                <a:latin typeface="굴림" charset="-127"/>
+                <a:ea typeface="굴림" charset="-127"/>
+              </a:rPr>
+              <a:t>3</a:t>
+            </a:r>
+            <a:endParaRPr kumimoji="0" lang="en-US" altLang="ko-KR" sz="800" b="1" dirty="0">
+              <a:solidFill>
+                <a:srgbClr val="FFFFFF"/>
+              </a:solidFill>
+              <a:latin typeface="굴림" charset="-127"/>
+              <a:ea typeface="굴림" charset="-127"/>
+            </a:endParaRPr>
+          </a:p>
+        </p:txBody>
+      </p:sp>
+      <p:sp>
+        <p:nvSpPr>
+          <p:cNvPr id="57" name="Oval 33"/>
+          <p:cNvSpPr>
+            <a:spLocks noChangeArrowheads="1"/>
+          </p:cNvSpPr>
+          <p:nvPr/>
+        </p:nvSpPr>
+        <p:spPr bwMode="auto">
+          <a:xfrm>
+            <a:off x="-972616" y="2204864"/>
+            <a:ext cx="213370" cy="213370"/>
+          </a:xfrm>
+          <a:prstGeom prst="ellipse">
+            <a:avLst/>
+          </a:prstGeom>
+          <a:solidFill>
+            <a:srgbClr val="BF0A30"/>
+          </a:solidFill>
+          <a:ln w="9525" algn="ctr">
+            <a:noFill/>
+            <a:round/>
+            <a:headEnd/>
+            <a:tailEnd/>
+          </a:ln>
+        </p:spPr>
+        <p:txBody>
+          <a:bodyPr wrap="none" lIns="0" tIns="0" rIns="0" bIns="0" anchor="ctr"/>
+          <a:lstStyle/>
+          <a:p>
+            <a:pPr algn="ctr" eaLnBrk="0" latinLnBrk="0" hangingPunct="0">
+              <a:spcBef>
+                <a:spcPct val="0"/>
+              </a:spcBef>
+              <a:buFontTx/>
+              <a:buNone/>
+            </a:pPr>
+            <a:r>
+              <a:rPr kumimoji="0" lang="en-US" altLang="ko-KR" sz="800" b="1" dirty="0" smtClean="0">
+                <a:solidFill>
+                  <a:srgbClr val="FFFFFF"/>
+                </a:solidFill>
+                <a:latin typeface="굴림" charset="-127"/>
+                <a:ea typeface="굴림" charset="-127"/>
+              </a:rPr>
+              <a:t>1</a:t>
+            </a:r>
+            <a:endParaRPr kumimoji="0" lang="en-US" altLang="ko-KR" sz="800" b="1" dirty="0">
+              <a:solidFill>
+                <a:srgbClr val="FFFFFF"/>
+              </a:solidFill>
+              <a:latin typeface="굴림" charset="-127"/>
+              <a:ea typeface="굴림" charset="-127"/>
+            </a:endParaRPr>
+          </a:p>
+        </p:txBody>
+      </p:sp>
+    </p:spTree>
+  </p:cSld>
+  <p:clrMapOvr>
+    <a:masterClrMapping/>
+  </p:clrMapOvr>
+</p:sld>
+</file>
+
+<file path=ppt/slides/slide2.xml><?xml version="1.0" encoding="utf-8"?>
+<p:sld xmlns:a="http://schemas.openxmlformats.org/drawingml/2006/main" xmlns:r="http://schemas.openxmlformats.org/officeDocument/2006/relationships" xmlns:p="http://schemas.openxmlformats.org/presentationml/2006/main">
+  <p:cSld>
+    <p:spTree>
+      <p:nvGrpSpPr>
+        <p:cNvPr id="1" name=""/>
+        <p:cNvGrpSpPr/>
+        <p:nvPr/>
+      </p:nvGrpSpPr>
+      <p:grpSpPr>
+        <a:xfrm>
+          <a:off x="0" y="0"/>
+          <a:ext cx="0" cy="0"/>
+          <a:chOff x="0" y="0"/>
+          <a:chExt cx="0" cy="0"/>
+        </a:xfrm>
+      </p:grpSpPr>
+      <p:sp>
+        <p:nvSpPr>
+          <p:cNvPr id="2" name="제목 1"/>
+          <p:cNvSpPr>
+            <a:spLocks noGrp="1"/>
+          </p:cNvSpPr>
+          <p:nvPr>
+            <p:ph type="ctrTitle"/>
+          </p:nvPr>
+        </p:nvSpPr>
+        <p:spPr>
+          <a:xfrm>
+            <a:off x="827584" y="332656"/>
+            <a:ext cx="7772400" cy="1470025"/>
+          </a:xfrm>
+        </p:spPr>
+        <p:txBody>
+          <a:bodyPr/>
+          <a:lstStyle/>
+          <a:p>
+            <a:r>
+              <a:rPr lang="ko-KR" altLang="en-US" dirty="0" err="1" smtClean="0"/>
+              <a:t>재태크를</a:t>
+            </a:r>
+            <a:r>
+              <a:rPr lang="ko-KR" altLang="en-US" dirty="0" smtClean="0"/>
+              <a:t> 위한 어플리케이션</a:t>
+            </a:r>
+            <a:endParaRPr lang="ko-KR" altLang="en-US" dirty="0"/>
+          </a:p>
+        </p:txBody>
+      </p:sp>
+      <p:sp>
+        <p:nvSpPr>
+          <p:cNvPr id="4" name="AutoShape 60"/>
+          <p:cNvSpPr>
+            <a:spLocks noChangeArrowheads="1"/>
+          </p:cNvSpPr>
+          <p:nvPr/>
+        </p:nvSpPr>
+        <p:spPr bwMode="auto">
+          <a:xfrm>
+            <a:off x="1259632" y="2780928"/>
+            <a:ext cx="1944216" cy="2467698"/>
+          </a:xfrm>
+          <a:prstGeom prst="roundRect">
+            <a:avLst>
+              <a:gd name="adj" fmla="val 963"/>
+            </a:avLst>
+          </a:prstGeom>
+          <a:solidFill>
+            <a:srgbClr val="FFFFFF"/>
+          </a:solidFill>
+          <a:ln w="9525">
+            <a:solidFill>
+              <a:srgbClr val="000000"/>
+            </a:solidFill>
+            <a:round/>
+            <a:headEnd/>
+            <a:tailEnd/>
+          </a:ln>
+        </p:spPr>
+        <p:txBody>
+          <a:bodyPr wrap="none" anchor="ctr"/>
+          <a:lstStyle/>
+          <a:p>
+            <a:pPr>
+              <a:spcBef>
+                <a:spcPct val="0"/>
+              </a:spcBef>
+              <a:buFontTx/>
+              <a:buNone/>
+            </a:pPr>
+            <a:endParaRPr lang="ko-KR" altLang="en-US" sz="1200" b="1">
+              <a:solidFill>
+                <a:srgbClr val="000000"/>
+              </a:solidFill>
+              <a:latin typeface="(환)제목라운드(중간)체" pitchFamily="18" charset="-127"/>
+              <a:ea typeface="맑은 고딕" pitchFamily="50" charset="-127"/>
+            </a:endParaRPr>
+          </a:p>
+        </p:txBody>
+      </p:sp>
+      <p:sp>
+        <p:nvSpPr>
+          <p:cNvPr id="5" name="AutoShape 60"/>
+          <p:cNvSpPr>
+            <a:spLocks noChangeArrowheads="1"/>
+          </p:cNvSpPr>
+          <p:nvPr/>
+        </p:nvSpPr>
+        <p:spPr bwMode="auto">
+          <a:xfrm>
+            <a:off x="1259632" y="5229200"/>
+            <a:ext cx="1944216" cy="360040"/>
+          </a:xfrm>
+          <a:prstGeom prst="roundRect">
+            <a:avLst>
+              <a:gd name="adj" fmla="val 963"/>
+            </a:avLst>
+          </a:prstGeom>
+          <a:solidFill>
+            <a:srgbClr val="FFFFFF"/>
+          </a:solidFill>
+          <a:ln w="9525">
+            <a:solidFill>
+              <a:srgbClr val="000000"/>
+            </a:solidFill>
+            <a:round/>
+            <a:headEnd/>
+            <a:tailEnd/>
+          </a:ln>
+        </p:spPr>
+        <p:txBody>
+          <a:bodyPr wrap="none" anchor="ctr"/>
+          <a:lstStyle/>
+          <a:p>
+            <a:pPr>
+              <a:spcBef>
+                <a:spcPct val="0"/>
+              </a:spcBef>
+              <a:buFontTx/>
+              <a:buNone/>
+            </a:pPr>
+            <a:endParaRPr lang="ko-KR" altLang="en-US" sz="1200" b="1">
+              <a:solidFill>
+                <a:srgbClr val="000000"/>
+              </a:solidFill>
+              <a:latin typeface="(환)제목라운드(중간)체" pitchFamily="18" charset="-127"/>
+              <a:ea typeface="맑은 고딕" pitchFamily="50" charset="-127"/>
+            </a:endParaRPr>
+          </a:p>
+        </p:txBody>
+      </p:sp>
+      <p:sp>
+        <p:nvSpPr>
+          <p:cNvPr id="6" name="Rectangle 289"/>
+          <p:cNvSpPr>
+            <a:spLocks noChangeArrowheads="1"/>
+          </p:cNvSpPr>
+          <p:nvPr/>
+        </p:nvSpPr>
+        <p:spPr bwMode="auto">
+          <a:xfrm>
+            <a:off x="1358535" y="3212976"/>
+            <a:ext cx="802375" cy="1197242"/>
+          </a:xfrm>
+          <a:prstGeom prst="rect">
+            <a:avLst/>
+          </a:prstGeom>
+          <a:ln>
+            <a:headEnd/>
+            <a:tailEnd/>
+          </a:ln>
+        </p:spPr>
+        <p:style>
+          <a:lnRef idx="2">
+            <a:schemeClr val="accent1"/>
+          </a:lnRef>
+          <a:fillRef idx="1">
+            <a:schemeClr val="lt1"/>
+          </a:fillRef>
+          <a:effectRef idx="0">
+            <a:schemeClr val="accent1"/>
+          </a:effectRef>
+          <a:fontRef idx="minor">
+            <a:schemeClr val="dk1"/>
+          </a:fontRef>
+        </p:style>
+        <p:txBody>
+          <a:bodyPr/>
+          <a:lstStyle/>
+          <a:p>
+            <a:pPr>
+              <a:spcBef>
+                <a:spcPct val="0"/>
+              </a:spcBef>
+              <a:buFontTx/>
+              <a:buNone/>
+              <a:defRPr/>
+            </a:pPr>
+            <a:r>
+              <a:rPr lang="ko-KR" altLang="en-US" b="1" dirty="0" smtClean="0">
+                <a:solidFill>
+                  <a:srgbClr val="4D4D4D"/>
+                </a:solidFill>
+                <a:latin typeface="Arial" pitchFamily="34" charset="0"/>
+                <a:ea typeface="HY중고딕" pitchFamily="18" charset="-127"/>
+              </a:rPr>
+              <a:t>수입</a:t>
+            </a:r>
+            <a:endParaRPr lang="ko-KR" altLang="en-US" b="1" dirty="0">
+              <a:solidFill>
+                <a:srgbClr val="4D4D4D"/>
+              </a:solidFill>
+              <a:latin typeface="Arial" pitchFamily="34" charset="0"/>
+              <a:ea typeface="HY중고딕" pitchFamily="18" charset="-127"/>
+            </a:endParaRPr>
+          </a:p>
+        </p:txBody>
+      </p:sp>
+      <p:sp>
+        <p:nvSpPr>
+          <p:cNvPr id="7" name="Rectangle 289"/>
+          <p:cNvSpPr>
+            <a:spLocks noChangeArrowheads="1"/>
+          </p:cNvSpPr>
+          <p:nvPr/>
+        </p:nvSpPr>
+        <p:spPr bwMode="auto">
+          <a:xfrm>
+            <a:off x="2304926" y="3212976"/>
+            <a:ext cx="802375" cy="1197242"/>
+          </a:xfrm>
+          <a:prstGeom prst="rect">
+            <a:avLst/>
+          </a:prstGeom>
+          <a:ln>
+            <a:headEnd/>
+            <a:tailEnd/>
+          </a:ln>
+        </p:spPr>
+        <p:style>
+          <a:lnRef idx="2">
+            <a:schemeClr val="accent1"/>
+          </a:lnRef>
+          <a:fillRef idx="1">
+            <a:schemeClr val="lt1"/>
+          </a:fillRef>
+          <a:effectRef idx="0">
+            <a:schemeClr val="accent1"/>
+          </a:effectRef>
+          <a:fontRef idx="minor">
+            <a:schemeClr val="dk1"/>
+          </a:fontRef>
+        </p:style>
+        <p:txBody>
+          <a:bodyPr/>
+          <a:lstStyle/>
+          <a:p>
+            <a:pPr>
+              <a:spcBef>
+                <a:spcPct val="0"/>
+              </a:spcBef>
+              <a:buFontTx/>
+              <a:buNone/>
+              <a:defRPr/>
+            </a:pPr>
+            <a:r>
+              <a:rPr lang="ko-KR" altLang="en-US" b="1" dirty="0" smtClean="0">
+                <a:solidFill>
+                  <a:srgbClr val="4D4D4D"/>
+                </a:solidFill>
+                <a:latin typeface="Arial" pitchFamily="34" charset="0"/>
+                <a:ea typeface="HY중고딕" pitchFamily="18" charset="-127"/>
+              </a:rPr>
+              <a:t>지출</a:t>
+            </a:r>
+            <a:endParaRPr lang="en-US" altLang="ko-KR" b="1" dirty="0" smtClean="0">
+              <a:solidFill>
+                <a:srgbClr val="4D4D4D"/>
+              </a:solidFill>
+              <a:latin typeface="Arial" pitchFamily="34" charset="0"/>
+              <a:ea typeface="HY중고딕" pitchFamily="18" charset="-127"/>
+            </a:endParaRPr>
+          </a:p>
+        </p:txBody>
+      </p:sp>
+      <p:sp>
+        <p:nvSpPr>
+          <p:cNvPr id="8" name="AutoShape 60"/>
+          <p:cNvSpPr>
+            <a:spLocks noChangeArrowheads="1"/>
+          </p:cNvSpPr>
+          <p:nvPr/>
+        </p:nvSpPr>
+        <p:spPr bwMode="auto">
+          <a:xfrm>
+            <a:off x="1259632" y="2555280"/>
+            <a:ext cx="1944216" cy="225648"/>
+          </a:xfrm>
+          <a:prstGeom prst="roundRect">
+            <a:avLst>
+              <a:gd name="adj" fmla="val 963"/>
+            </a:avLst>
+          </a:prstGeom>
+          <a:solidFill>
+            <a:srgbClr val="FFFFFF"/>
+          </a:solidFill>
+          <a:ln w="9525">
+            <a:solidFill>
+              <a:srgbClr val="000000"/>
+            </a:solidFill>
+            <a:round/>
+            <a:headEnd/>
+            <a:tailEnd/>
+          </a:ln>
+        </p:spPr>
+        <p:txBody>
+          <a:bodyPr wrap="none" anchor="ctr"/>
+          <a:lstStyle/>
+          <a:p>
+            <a:pPr>
+              <a:spcBef>
+                <a:spcPct val="0"/>
+              </a:spcBef>
+              <a:buFontTx/>
+              <a:buNone/>
+            </a:pPr>
+            <a:endParaRPr lang="ko-KR" altLang="en-US" sz="1200" b="1">
+              <a:solidFill>
+                <a:srgbClr val="000000"/>
+              </a:solidFill>
+              <a:latin typeface="(환)제목라운드(중간)체" pitchFamily="18" charset="-127"/>
+              <a:ea typeface="맑은 고딕" pitchFamily="50" charset="-127"/>
+            </a:endParaRPr>
+          </a:p>
+        </p:txBody>
+      </p:sp>
+      <p:grpSp>
+        <p:nvGrpSpPr>
+          <p:cNvPr id="3" name="그룹 18"/>
+          <p:cNvGrpSpPr/>
+          <p:nvPr/>
+        </p:nvGrpSpPr>
+        <p:grpSpPr>
+          <a:xfrm>
+            <a:off x="1651210" y="5013176"/>
+            <a:ext cx="1138808" cy="72008"/>
+            <a:chOff x="4067944" y="3356992"/>
+            <a:chExt cx="1138808" cy="72008"/>
+          </a:xfrm>
+        </p:grpSpPr>
+        <p:sp>
+          <p:nvSpPr>
+            <p:cNvPr id="11" name="타원 10"/>
+            <p:cNvSpPr/>
+            <p:nvPr/>
+          </p:nvSpPr>
+          <p:spPr>
+            <a:xfrm>
+              <a:off x="4067944" y="3356992"/>
+              <a:ext cx="72008" cy="72008"/>
+            </a:xfrm>
+            <a:prstGeom prst="ellipse">
+              <a:avLst/>
+            </a:prstGeom>
+          </p:spPr>
+          <p:style>
+            <a:lnRef idx="2">
+              <a:schemeClr val="accent1"/>
+            </a:lnRef>
+            <a:fillRef idx="1">
+              <a:schemeClr val="lt1"/>
+            </a:fillRef>
+            <a:effectRef idx="0">
+              <a:schemeClr val="accent1"/>
+            </a:effectRef>
+            <a:fontRef idx="minor">
+              <a:schemeClr val="dk1"/>
+            </a:fontRef>
+          </p:style>
+          <p:txBody>
+            <a:bodyPr rtlCol="0" anchor="ctr"/>
+            <a:lstStyle/>
+            <a:p>
+              <a:pPr algn="ctr"/>
+              <a:endParaRPr lang="ko-KR" altLang="en-US"/>
+            </a:p>
+          </p:txBody>
+        </p:sp>
+        <p:sp>
+          <p:nvSpPr>
+            <p:cNvPr id="12" name="타원 11"/>
+            <p:cNvSpPr/>
+            <p:nvPr/>
+          </p:nvSpPr>
+          <p:spPr>
+            <a:xfrm>
+              <a:off x="4220344" y="3356992"/>
+              <a:ext cx="72008" cy="72008"/>
+            </a:xfrm>
+            <a:prstGeom prst="ellipse">
+              <a:avLst/>
+            </a:prstGeom>
+          </p:spPr>
+          <p:style>
+            <a:lnRef idx="1">
+              <a:schemeClr val="accent1"/>
+            </a:lnRef>
+            <a:fillRef idx="2">
+              <a:schemeClr val="accent1"/>
+            </a:fillRef>
+            <a:effectRef idx="1">
+              <a:schemeClr val="accent1"/>
+            </a:effectRef>
+            <a:fontRef idx="minor">
+              <a:schemeClr val="dk1"/>
+            </a:fontRef>
+          </p:style>
+          <p:txBody>
+            <a:bodyPr rtlCol="0" anchor="ctr"/>
+            <a:lstStyle/>
+            <a:p>
+              <a:pPr algn="ctr"/>
+              <a:endParaRPr lang="ko-KR" altLang="en-US"/>
+            </a:p>
+          </p:txBody>
+        </p:sp>
+        <p:sp>
+          <p:nvSpPr>
+            <p:cNvPr id="13" name="타원 12"/>
+            <p:cNvSpPr/>
+            <p:nvPr/>
+          </p:nvSpPr>
+          <p:spPr>
+            <a:xfrm>
+              <a:off x="4372744" y="3356992"/>
+              <a:ext cx="72008" cy="72008"/>
+            </a:xfrm>
+            <a:prstGeom prst="ellipse">
+              <a:avLst/>
+            </a:prstGeom>
+          </p:spPr>
+          <p:style>
+            <a:lnRef idx="1">
+              <a:schemeClr val="accent1"/>
+            </a:lnRef>
+            <a:fillRef idx="2">
+              <a:schemeClr val="accent1"/>
+            </a:fillRef>
+            <a:effectRef idx="1">
+              <a:schemeClr val="accent1"/>
+            </a:effectRef>
+            <a:fontRef idx="minor">
+              <a:schemeClr val="dk1"/>
+            </a:fontRef>
+          </p:style>
+          <p:txBody>
+            <a:bodyPr rtlCol="0" anchor="ctr"/>
+            <a:lstStyle/>
+            <a:p>
+              <a:pPr algn="ctr"/>
+              <a:endParaRPr lang="ko-KR" altLang="en-US"/>
+            </a:p>
+          </p:txBody>
+        </p:sp>
+        <p:sp>
+          <p:nvSpPr>
+            <p:cNvPr id="14" name="타원 13"/>
+            <p:cNvSpPr/>
+            <p:nvPr/>
+          </p:nvSpPr>
+          <p:spPr>
+            <a:xfrm>
+              <a:off x="4525144" y="3356992"/>
+              <a:ext cx="72008" cy="72008"/>
+            </a:xfrm>
+            <a:prstGeom prst="ellipse">
+              <a:avLst/>
+            </a:prstGeom>
+          </p:spPr>
+          <p:style>
+            <a:lnRef idx="1">
+              <a:schemeClr val="accent1"/>
+            </a:lnRef>
+            <a:fillRef idx="2">
+              <a:schemeClr val="accent1"/>
+            </a:fillRef>
+            <a:effectRef idx="1">
+              <a:schemeClr val="accent1"/>
+            </a:effectRef>
+            <a:fontRef idx="minor">
+              <a:schemeClr val="dk1"/>
+            </a:fontRef>
+          </p:style>
+          <p:txBody>
+            <a:bodyPr rtlCol="0" anchor="ctr"/>
+            <a:lstStyle/>
+            <a:p>
+              <a:pPr algn="ctr"/>
+              <a:endParaRPr lang="ko-KR" altLang="en-US"/>
+            </a:p>
+          </p:txBody>
+        </p:sp>
+        <p:sp>
+          <p:nvSpPr>
+            <p:cNvPr id="15" name="타원 14"/>
+            <p:cNvSpPr/>
+            <p:nvPr/>
+          </p:nvSpPr>
+          <p:spPr>
+            <a:xfrm>
+              <a:off x="4677544" y="3356992"/>
+              <a:ext cx="72008" cy="72008"/>
+            </a:xfrm>
+            <a:prstGeom prst="ellipse">
+              <a:avLst/>
+            </a:prstGeom>
+          </p:spPr>
+          <p:style>
+            <a:lnRef idx="1">
+              <a:schemeClr val="accent1"/>
+            </a:lnRef>
+            <a:fillRef idx="2">
+              <a:schemeClr val="accent1"/>
+            </a:fillRef>
+            <a:effectRef idx="1">
+              <a:schemeClr val="accent1"/>
+            </a:effectRef>
+            <a:fontRef idx="minor">
+              <a:schemeClr val="dk1"/>
+            </a:fontRef>
+          </p:style>
+          <p:txBody>
+            <a:bodyPr rtlCol="0" anchor="ctr"/>
+            <a:lstStyle/>
+            <a:p>
+              <a:pPr algn="ctr"/>
+              <a:endParaRPr lang="ko-KR" altLang="en-US"/>
+            </a:p>
+          </p:txBody>
+        </p:sp>
+        <p:sp>
+          <p:nvSpPr>
+            <p:cNvPr id="16" name="타원 15"/>
+            <p:cNvSpPr/>
+            <p:nvPr/>
+          </p:nvSpPr>
+          <p:spPr>
+            <a:xfrm>
+              <a:off x="4829944" y="3356992"/>
+              <a:ext cx="72008" cy="72008"/>
+            </a:xfrm>
+            <a:prstGeom prst="ellipse">
+              <a:avLst/>
+            </a:prstGeom>
+          </p:spPr>
+          <p:style>
+            <a:lnRef idx="1">
+              <a:schemeClr val="accent1"/>
+            </a:lnRef>
+            <a:fillRef idx="2">
+              <a:schemeClr val="accent1"/>
+            </a:fillRef>
+            <a:effectRef idx="1">
+              <a:schemeClr val="accent1"/>
+            </a:effectRef>
+            <a:fontRef idx="minor">
+              <a:schemeClr val="dk1"/>
+            </a:fontRef>
+          </p:style>
+          <p:txBody>
+            <a:bodyPr rtlCol="0" anchor="ctr"/>
+            <a:lstStyle/>
+            <a:p>
+              <a:pPr algn="ctr"/>
+              <a:endParaRPr lang="ko-KR" altLang="en-US"/>
+            </a:p>
+          </p:txBody>
+        </p:sp>
+        <p:sp>
+          <p:nvSpPr>
+            <p:cNvPr id="17" name="타원 16"/>
+            <p:cNvSpPr/>
+            <p:nvPr/>
+          </p:nvSpPr>
+          <p:spPr>
+            <a:xfrm>
+              <a:off x="4982344" y="3356992"/>
+              <a:ext cx="72008" cy="72008"/>
+            </a:xfrm>
+            <a:prstGeom prst="ellipse">
+              <a:avLst/>
+            </a:prstGeom>
+          </p:spPr>
+          <p:style>
+            <a:lnRef idx="1">
+              <a:schemeClr val="accent1"/>
+            </a:lnRef>
+            <a:fillRef idx="2">
+              <a:schemeClr val="accent1"/>
+            </a:fillRef>
+            <a:effectRef idx="1">
+              <a:schemeClr val="accent1"/>
+            </a:effectRef>
+            <a:fontRef idx="minor">
+              <a:schemeClr val="dk1"/>
+            </a:fontRef>
+          </p:style>
+          <p:txBody>
+            <a:bodyPr rtlCol="0" anchor="ctr"/>
+            <a:lstStyle/>
+            <a:p>
+              <a:pPr algn="ctr"/>
+              <a:endParaRPr lang="ko-KR" altLang="en-US"/>
+            </a:p>
+          </p:txBody>
+        </p:sp>
+        <p:sp>
+          <p:nvSpPr>
+            <p:cNvPr id="18" name="타원 17"/>
+            <p:cNvSpPr/>
+            <p:nvPr/>
+          </p:nvSpPr>
+          <p:spPr>
+            <a:xfrm>
+              <a:off x="5134744" y="3356992"/>
+              <a:ext cx="72008" cy="72008"/>
+            </a:xfrm>
+            <a:prstGeom prst="ellipse">
+              <a:avLst/>
+            </a:prstGeom>
+          </p:spPr>
+          <p:style>
+            <a:lnRef idx="1">
+              <a:schemeClr val="accent1"/>
+            </a:lnRef>
+            <a:fillRef idx="2">
+              <a:schemeClr val="accent1"/>
+            </a:fillRef>
+            <a:effectRef idx="1">
+              <a:schemeClr val="accent1"/>
+            </a:effectRef>
+            <a:fontRef idx="minor">
+              <a:schemeClr val="dk1"/>
+            </a:fontRef>
+          </p:style>
+          <p:txBody>
+            <a:bodyPr rtlCol="0" anchor="ctr"/>
+            <a:lstStyle/>
+            <a:p>
+              <a:pPr algn="ctr"/>
+              <a:endParaRPr lang="ko-KR" altLang="en-US"/>
+            </a:p>
+          </p:txBody>
+        </p:sp>
+      </p:grpSp>
+      <p:grpSp>
+        <p:nvGrpSpPr>
+          <p:cNvPr id="9" name="그룹 24"/>
+          <p:cNvGrpSpPr/>
+          <p:nvPr/>
+        </p:nvGrpSpPr>
+        <p:grpSpPr>
+          <a:xfrm>
+            <a:off x="3149770" y="3429000"/>
+            <a:ext cx="251884" cy="360040"/>
+            <a:chOff x="3275856" y="3429000"/>
+            <a:chExt cx="251884" cy="360040"/>
+          </a:xfrm>
+        </p:grpSpPr>
+        <p:sp>
+          <p:nvSpPr>
+            <p:cNvPr id="20" name="갈매기형 수장 19"/>
+            <p:cNvSpPr/>
+            <p:nvPr/>
+          </p:nvSpPr>
+          <p:spPr>
+            <a:xfrm>
+              <a:off x="3275856" y="3429000"/>
+              <a:ext cx="144016" cy="360040"/>
+            </a:xfrm>
+            <a:prstGeom prst="chevron">
+              <a:avLst/>
+            </a:prstGeom>
+          </p:spPr>
+          <p:style>
+            <a:lnRef idx="2">
+              <a:schemeClr val="accent3"/>
+            </a:lnRef>
+            <a:fillRef idx="1">
+              <a:schemeClr val="lt1"/>
+            </a:fillRef>
+            <a:effectRef idx="0">
+              <a:schemeClr val="accent3"/>
+            </a:effectRef>
+            <a:fontRef idx="minor">
+              <a:schemeClr val="dk1"/>
+            </a:fontRef>
+          </p:style>
+          <p:txBody>
+            <a:bodyPr rtlCol="0" anchor="ctr"/>
+            <a:lstStyle/>
+            <a:p>
+              <a:pPr algn="ctr"/>
+              <a:endParaRPr lang="ko-KR" altLang="en-US">
+                <a:solidFill>
+                  <a:schemeClr val="tx1"/>
+                </a:solidFill>
+              </a:endParaRPr>
+            </a:p>
+          </p:txBody>
+        </p:sp>
+        <p:sp>
+          <p:nvSpPr>
+            <p:cNvPr id="22" name="갈매기형 수장 21"/>
+            <p:cNvSpPr/>
+            <p:nvPr/>
+          </p:nvSpPr>
+          <p:spPr>
+            <a:xfrm>
+              <a:off x="3383724" y="3429000"/>
+              <a:ext cx="144016" cy="360040"/>
+            </a:xfrm>
+            <a:prstGeom prst="chevron">
+              <a:avLst/>
+            </a:prstGeom>
+          </p:spPr>
+          <p:style>
+            <a:lnRef idx="2">
+              <a:schemeClr val="accent3"/>
+            </a:lnRef>
+            <a:fillRef idx="1">
+              <a:schemeClr val="lt1"/>
+            </a:fillRef>
+            <a:effectRef idx="0">
+              <a:schemeClr val="accent3"/>
+            </a:effectRef>
+            <a:fontRef idx="minor">
+              <a:schemeClr val="dk1"/>
+            </a:fontRef>
+          </p:style>
+          <p:txBody>
+            <a:bodyPr rtlCol="0" anchor="ctr"/>
+            <a:lstStyle/>
+            <a:p>
+              <a:pPr algn="ctr"/>
+              <a:endParaRPr lang="ko-KR" altLang="en-US">
+                <a:solidFill>
+                  <a:schemeClr val="tx1"/>
+                </a:solidFill>
+              </a:endParaRPr>
+            </a:p>
+          </p:txBody>
+        </p:sp>
+      </p:grpSp>
+      <p:grpSp>
+        <p:nvGrpSpPr>
+          <p:cNvPr id="10" name="그룹 23"/>
+          <p:cNvGrpSpPr/>
+          <p:nvPr/>
+        </p:nvGrpSpPr>
+        <p:grpSpPr>
+          <a:xfrm>
+            <a:off x="1070503" y="3429000"/>
+            <a:ext cx="251884" cy="360040"/>
+            <a:chOff x="935740" y="3429000"/>
+            <a:chExt cx="251884" cy="360040"/>
+          </a:xfrm>
+        </p:grpSpPr>
+        <p:sp>
+          <p:nvSpPr>
+            <p:cNvPr id="21" name="갈매기형 수장 20"/>
+            <p:cNvSpPr/>
+            <p:nvPr/>
+          </p:nvSpPr>
+          <p:spPr>
+            <a:xfrm flipH="1">
+              <a:off x="1043608" y="3429000"/>
+              <a:ext cx="144016" cy="360040"/>
+            </a:xfrm>
+            <a:prstGeom prst="chevron">
+              <a:avLst/>
+            </a:prstGeom>
+          </p:spPr>
+          <p:style>
+            <a:lnRef idx="2">
+              <a:schemeClr val="accent3"/>
+            </a:lnRef>
+            <a:fillRef idx="1">
+              <a:schemeClr val="lt1"/>
+            </a:fillRef>
+            <a:effectRef idx="0">
+              <a:schemeClr val="accent3"/>
+            </a:effectRef>
+            <a:fontRef idx="minor">
+              <a:schemeClr val="dk1"/>
+            </a:fontRef>
+          </p:style>
+          <p:txBody>
+            <a:bodyPr rtlCol="0" anchor="ctr"/>
+            <a:lstStyle/>
+            <a:p>
+              <a:pPr algn="ctr"/>
+              <a:endParaRPr lang="ko-KR" altLang="en-US">
+                <a:solidFill>
+                  <a:schemeClr val="tx1"/>
+                </a:solidFill>
+              </a:endParaRPr>
+            </a:p>
+          </p:txBody>
+        </p:sp>
+        <p:sp>
+          <p:nvSpPr>
+            <p:cNvPr id="23" name="갈매기형 수장 22"/>
+            <p:cNvSpPr/>
+            <p:nvPr/>
+          </p:nvSpPr>
+          <p:spPr>
+            <a:xfrm flipH="1">
+              <a:off x="935740" y="3429000"/>
+              <a:ext cx="144016" cy="360040"/>
+            </a:xfrm>
+            <a:prstGeom prst="chevron">
+              <a:avLst/>
+            </a:prstGeom>
+          </p:spPr>
+          <p:style>
+            <a:lnRef idx="2">
+              <a:schemeClr val="accent3"/>
+            </a:lnRef>
+            <a:fillRef idx="1">
+              <a:schemeClr val="lt1"/>
+            </a:fillRef>
+            <a:effectRef idx="0">
+              <a:schemeClr val="accent3"/>
+            </a:effectRef>
+            <a:fontRef idx="minor">
+              <a:schemeClr val="dk1"/>
+            </a:fontRef>
+          </p:style>
+          <p:txBody>
+            <a:bodyPr rtlCol="0" anchor="ctr"/>
+            <a:lstStyle/>
+            <a:p>
+              <a:pPr algn="ctr"/>
+              <a:endParaRPr lang="ko-KR" altLang="en-US">
+                <a:solidFill>
+                  <a:schemeClr val="tx1"/>
+                </a:solidFill>
+              </a:endParaRPr>
+            </a:p>
+          </p:txBody>
+        </p:sp>
+      </p:grpSp>
+      <p:sp>
+        <p:nvSpPr>
+          <p:cNvPr id="26" name="모서리가 둥근 직사각형 25"/>
+          <p:cNvSpPr/>
+          <p:nvPr/>
+        </p:nvSpPr>
+        <p:spPr>
+          <a:xfrm>
+            <a:off x="1412613" y="5265060"/>
+            <a:ext cx="288032" cy="288032"/>
+          </a:xfrm>
+          <a:prstGeom prst="roundRect">
+            <a:avLst/>
+          </a:prstGeom>
+        </p:spPr>
+        <p:style>
+          <a:lnRef idx="2">
+            <a:schemeClr val="accent1"/>
+          </a:lnRef>
+          <a:fillRef idx="1">
+            <a:schemeClr val="lt1"/>
+          </a:fillRef>
+          <a:effectRef idx="0">
+            <a:schemeClr val="accent1"/>
+          </a:effectRef>
+          <a:fontRef idx="minor">
+            <a:schemeClr val="dk1"/>
+          </a:fontRef>
+        </p:style>
+        <p:txBody>
+          <a:bodyPr rtlCol="0" anchor="ctr"/>
+          <a:lstStyle/>
+          <a:p>
+            <a:pPr algn="ctr"/>
+            <a:endParaRPr lang="ko-KR" altLang="en-US"/>
+          </a:p>
+        </p:txBody>
+      </p:sp>
+      <p:sp>
+        <p:nvSpPr>
+          <p:cNvPr id="27" name="모서리가 둥근 직사각형 26"/>
+          <p:cNvSpPr/>
+          <p:nvPr/>
+        </p:nvSpPr>
+        <p:spPr>
+          <a:xfrm>
+            <a:off x="1790583" y="5265060"/>
+            <a:ext cx="288032" cy="288032"/>
+          </a:xfrm>
+          <a:prstGeom prst="roundRect">
+            <a:avLst/>
+          </a:prstGeom>
+        </p:spPr>
+        <p:style>
+          <a:lnRef idx="2">
+            <a:schemeClr val="accent1"/>
+          </a:lnRef>
+          <a:fillRef idx="1">
+            <a:schemeClr val="lt1"/>
+          </a:fillRef>
+          <a:effectRef idx="0">
+            <a:schemeClr val="accent1"/>
+          </a:effectRef>
+          <a:fontRef idx="minor">
+            <a:schemeClr val="dk1"/>
+          </a:fontRef>
+        </p:style>
+        <p:txBody>
+          <a:bodyPr rtlCol="0" anchor="ctr"/>
+          <a:lstStyle/>
+          <a:p>
+            <a:pPr algn="ctr"/>
+            <a:endParaRPr lang="ko-KR" altLang="en-US"/>
+          </a:p>
+        </p:txBody>
+      </p:sp>
+      <p:sp>
+        <p:nvSpPr>
+          <p:cNvPr id="28" name="모서리가 둥근 직사각형 27"/>
+          <p:cNvSpPr/>
+          <p:nvPr/>
+        </p:nvSpPr>
+        <p:spPr>
+          <a:xfrm>
+            <a:off x="2546523" y="5265060"/>
+            <a:ext cx="288032" cy="288032"/>
+          </a:xfrm>
+          <a:prstGeom prst="roundRect">
+            <a:avLst/>
+          </a:prstGeom>
+        </p:spPr>
+        <p:style>
+          <a:lnRef idx="2">
+            <a:schemeClr val="accent1"/>
+          </a:lnRef>
+          <a:fillRef idx="1">
+            <a:schemeClr val="lt1"/>
+          </a:fillRef>
+          <a:effectRef idx="0">
+            <a:schemeClr val="accent1"/>
+          </a:effectRef>
+          <a:fontRef idx="minor">
+            <a:schemeClr val="dk1"/>
+          </a:fontRef>
+        </p:style>
+        <p:txBody>
+          <a:bodyPr rtlCol="0" anchor="ctr"/>
+          <a:lstStyle/>
+          <a:p>
+            <a:pPr algn="ctr"/>
+            <a:endParaRPr lang="ko-KR" altLang="en-US"/>
+          </a:p>
+        </p:txBody>
+      </p:sp>
+      <p:sp>
+        <p:nvSpPr>
+          <p:cNvPr id="29" name="모서리가 둥근 직사각형 28"/>
+          <p:cNvSpPr/>
+          <p:nvPr/>
+        </p:nvSpPr>
+        <p:spPr>
+          <a:xfrm>
+            <a:off x="2168553" y="5265060"/>
+            <a:ext cx="288032" cy="288032"/>
+          </a:xfrm>
+          <a:prstGeom prst="roundRect">
+            <a:avLst/>
+          </a:prstGeom>
+        </p:spPr>
+        <p:style>
+          <a:lnRef idx="2">
+            <a:schemeClr val="accent1"/>
+          </a:lnRef>
+          <a:fillRef idx="1">
+            <a:schemeClr val="lt1"/>
+          </a:fillRef>
+          <a:effectRef idx="0">
+            <a:schemeClr val="accent1"/>
+          </a:effectRef>
+          <a:fontRef idx="minor">
+            <a:schemeClr val="dk1"/>
+          </a:fontRef>
+        </p:style>
+        <p:txBody>
+          <a:bodyPr rtlCol="0" anchor="ctr"/>
+          <a:lstStyle/>
+          <a:p>
+            <a:pPr algn="ctr"/>
+            <a:endParaRPr lang="ko-KR" altLang="en-US"/>
+          </a:p>
+        </p:txBody>
+      </p:sp>
+      <p:sp>
+        <p:nvSpPr>
+          <p:cNvPr id="32" name="갈매기형 수장 31"/>
+          <p:cNvSpPr/>
+          <p:nvPr/>
+        </p:nvSpPr>
+        <p:spPr>
+          <a:xfrm>
+            <a:off x="2942711" y="5301208"/>
+            <a:ext cx="144016" cy="216024"/>
+          </a:xfrm>
+          <a:prstGeom prst="chevron">
+            <a:avLst/>
+          </a:prstGeom>
+        </p:spPr>
+        <p:style>
+          <a:lnRef idx="2">
+            <a:schemeClr val="accent1"/>
+          </a:lnRef>
+          <a:fillRef idx="1">
+            <a:schemeClr val="lt1"/>
+          </a:fillRef>
+          <a:effectRef idx="0">
+            <a:schemeClr val="accent1"/>
+          </a:effectRef>
+          <a:fontRef idx="minor">
+            <a:schemeClr val="dk1"/>
+          </a:fontRef>
+        </p:style>
+        <p:txBody>
+          <a:bodyPr rtlCol="0" anchor="ctr"/>
+          <a:lstStyle/>
+          <a:p>
+            <a:pPr algn="ctr"/>
+            <a:endParaRPr lang="ko-KR" altLang="en-US">
+              <a:solidFill>
+                <a:schemeClr val="tx1"/>
+              </a:solidFill>
+            </a:endParaRPr>
+          </a:p>
+        </p:txBody>
+      </p:sp>
+      <p:sp>
+        <p:nvSpPr>
+          <p:cNvPr id="33" name="모서리가 둥근 직사각형 32"/>
+          <p:cNvSpPr/>
+          <p:nvPr/>
+        </p:nvSpPr>
+        <p:spPr>
+          <a:xfrm>
+            <a:off x="1331640" y="4581128"/>
+            <a:ext cx="1800200" cy="288032"/>
+          </a:xfrm>
+          <a:prstGeom prst="roundRect">
+            <a:avLst/>
+          </a:prstGeom>
+          <a:ln/>
+        </p:spPr>
+        <p:style>
+          <a:lnRef idx="2">
+            <a:schemeClr val="accent1"/>
+          </a:lnRef>
+          <a:fillRef idx="1">
+            <a:schemeClr val="lt1"/>
+          </a:fillRef>
+          <a:effectRef idx="0">
+            <a:schemeClr val="accent1"/>
+          </a:effectRef>
+          <a:fontRef idx="minor">
+            <a:schemeClr val="dk1"/>
+          </a:fontRef>
+        </p:style>
+        <p:txBody>
+          <a:bodyPr rtlCol="0" anchor="ctr"/>
+          <a:lstStyle/>
+          <a:p>
+            <a:pPr algn="ctr"/>
+            <a:r>
+              <a:rPr lang="en-US" altLang="ko-KR" sz="1200" dirty="0" smtClean="0">
+                <a:solidFill>
+                  <a:schemeClr val="tx1"/>
+                </a:solidFill>
+              </a:rPr>
+              <a:t>6/22    \1,234,567,000</a:t>
+            </a:r>
+            <a:endParaRPr lang="ko-KR" altLang="en-US" sz="1200" dirty="0">
+              <a:solidFill>
+                <a:schemeClr val="tx1"/>
+              </a:solidFill>
+            </a:endParaRPr>
+          </a:p>
+        </p:txBody>
+      </p:sp>
+      <p:sp>
+        <p:nvSpPr>
+          <p:cNvPr id="34" name="TextBox 33"/>
+          <p:cNvSpPr txBox="1"/>
+          <p:nvPr/>
+        </p:nvSpPr>
+        <p:spPr>
+          <a:xfrm>
+            <a:off x="1331640" y="4149080"/>
+            <a:ext cx="891591" cy="215444"/>
+          </a:xfrm>
+          <a:prstGeom prst="rect">
+            <a:avLst/>
+          </a:prstGeom>
+          <a:noFill/>
+        </p:spPr>
+        <p:txBody>
+          <a:bodyPr wrap="none" rtlCol="0">
+            <a:spAutoFit/>
+          </a:bodyPr>
+          <a:lstStyle/>
+          <a:p>
+            <a:r>
+              <a:rPr lang="en-US" altLang="ko-KR" sz="800" dirty="0" smtClean="0"/>
+              <a:t>\1,234,567,000</a:t>
+            </a:r>
+            <a:endParaRPr lang="ko-KR" altLang="en-US" sz="800" dirty="0"/>
+          </a:p>
+        </p:txBody>
+      </p:sp>
+      <p:sp>
+        <p:nvSpPr>
+          <p:cNvPr id="35" name="TextBox 34"/>
+          <p:cNvSpPr txBox="1"/>
+          <p:nvPr/>
+        </p:nvSpPr>
+        <p:spPr>
+          <a:xfrm>
+            <a:off x="2294327" y="4149080"/>
+            <a:ext cx="891591" cy="215444"/>
+          </a:xfrm>
+          <a:prstGeom prst="rect">
+            <a:avLst/>
+          </a:prstGeom>
+          <a:noFill/>
+        </p:spPr>
+        <p:txBody>
+          <a:bodyPr wrap="none" rtlCol="0">
+            <a:spAutoFit/>
+          </a:bodyPr>
+          <a:lstStyle/>
+          <a:p>
+            <a:r>
+              <a:rPr lang="en-US" altLang="ko-KR" sz="800" dirty="0" smtClean="0"/>
+              <a:t>\1,234,567,000</a:t>
+            </a:r>
+            <a:endParaRPr lang="ko-KR" altLang="en-US" sz="800" dirty="0"/>
+          </a:p>
+        </p:txBody>
+      </p:sp>
+      <p:grpSp>
+        <p:nvGrpSpPr>
+          <p:cNvPr id="19" name="그룹 35"/>
+          <p:cNvGrpSpPr/>
+          <p:nvPr/>
+        </p:nvGrpSpPr>
+        <p:grpSpPr>
+          <a:xfrm>
+            <a:off x="611560" y="6300028"/>
+            <a:ext cx="251884" cy="360040"/>
+            <a:chOff x="3275856" y="3429000"/>
+            <a:chExt cx="251884" cy="360040"/>
+          </a:xfrm>
+        </p:grpSpPr>
+        <p:sp>
+          <p:nvSpPr>
+            <p:cNvPr id="37" name="갈매기형 수장 36"/>
+            <p:cNvSpPr/>
+            <p:nvPr/>
+          </p:nvSpPr>
+          <p:spPr>
+            <a:xfrm>
+              <a:off x="3275856" y="3429000"/>
+              <a:ext cx="144016" cy="360040"/>
+            </a:xfrm>
+            <a:prstGeom prst="chevron">
+              <a:avLst/>
+            </a:prstGeom>
+          </p:spPr>
+          <p:style>
+            <a:lnRef idx="2">
+              <a:schemeClr val="accent3"/>
+            </a:lnRef>
+            <a:fillRef idx="1">
+              <a:schemeClr val="lt1"/>
+            </a:fillRef>
+            <a:effectRef idx="0">
+              <a:schemeClr val="accent3"/>
+            </a:effectRef>
+            <a:fontRef idx="minor">
+              <a:schemeClr val="dk1"/>
+            </a:fontRef>
+          </p:style>
+          <p:txBody>
+            <a:bodyPr rtlCol="0" anchor="ctr"/>
+            <a:lstStyle/>
+            <a:p>
+              <a:pPr algn="ctr"/>
+              <a:endParaRPr lang="ko-KR" altLang="en-US">
+                <a:solidFill>
+                  <a:schemeClr val="tx1"/>
+                </a:solidFill>
+              </a:endParaRPr>
+            </a:p>
+          </p:txBody>
+        </p:sp>
+        <p:sp>
+          <p:nvSpPr>
+            <p:cNvPr id="38" name="갈매기형 수장 37"/>
+            <p:cNvSpPr/>
+            <p:nvPr/>
+          </p:nvSpPr>
+          <p:spPr>
+            <a:xfrm>
+              <a:off x="3383724" y="3429000"/>
+              <a:ext cx="144016" cy="360040"/>
+            </a:xfrm>
+            <a:prstGeom prst="chevron">
+              <a:avLst/>
+            </a:prstGeom>
+          </p:spPr>
+          <p:style>
+            <a:lnRef idx="2">
+              <a:schemeClr val="accent3"/>
+            </a:lnRef>
+            <a:fillRef idx="1">
+              <a:schemeClr val="lt1"/>
+            </a:fillRef>
+            <a:effectRef idx="0">
+              <a:schemeClr val="accent3"/>
+            </a:effectRef>
+            <a:fontRef idx="minor">
+              <a:schemeClr val="dk1"/>
+            </a:fontRef>
+          </p:style>
+          <p:txBody>
+            <a:bodyPr rtlCol="0" anchor="ctr"/>
+            <a:lstStyle/>
+            <a:p>
+              <a:pPr algn="ctr"/>
+              <a:endParaRPr lang="ko-KR" altLang="en-US">
+                <a:solidFill>
+                  <a:schemeClr val="tx1"/>
+                </a:solidFill>
+              </a:endParaRPr>
+            </a:p>
+          </p:txBody>
+        </p:sp>
+      </p:grpSp>
+      <p:sp>
+        <p:nvSpPr>
+          <p:cNvPr id="39" name="TextBox 38"/>
+          <p:cNvSpPr txBox="1"/>
+          <p:nvPr/>
+        </p:nvSpPr>
+        <p:spPr>
+          <a:xfrm>
+            <a:off x="899592" y="6300028"/>
+            <a:ext cx="2276521" cy="369332"/>
+          </a:xfrm>
+          <a:prstGeom prst="rect">
+            <a:avLst/>
+          </a:prstGeom>
+          <a:noFill/>
+        </p:spPr>
+        <p:txBody>
+          <a:bodyPr wrap="none" rtlCol="0">
+            <a:spAutoFit/>
+          </a:bodyPr>
+          <a:lstStyle/>
+          <a:p>
+            <a:r>
+              <a:rPr lang="en-US" altLang="ko-KR" dirty="0" smtClean="0"/>
+              <a:t>Touch </a:t>
+            </a:r>
+            <a:r>
+              <a:rPr lang="ko-KR" altLang="en-US" dirty="0" smtClean="0"/>
+              <a:t>로  화면 변경</a:t>
+            </a:r>
+            <a:endParaRPr lang="ko-KR" altLang="en-US" dirty="0"/>
+          </a:p>
+        </p:txBody>
+      </p:sp>
+      <p:grpSp>
+        <p:nvGrpSpPr>
+          <p:cNvPr id="24" name="그룹 39"/>
           <p:cNvGrpSpPr/>
           <p:nvPr/>
         </p:nvGrpSpPr>
